--- a/requirements/Powerpoint Vorlage.pptx
+++ b/requirements/Powerpoint Vorlage.pptx
@@ -1089,12 +1089,6 @@
               </a:rPr>
               <a:t> Durmaz, Ferhat Beyaz, </a:t>
             </a:r>
-            <a:endParaRPr lang="de-DE" sz="900" b="1" dirty="0" smtClean="0">
-              <a:solidFill>
-                <a:srgbClr val="5F5F5F"/>
-              </a:solidFill>
-              <a:cs typeface="Arial" charset="0"/>
-            </a:endParaRPr>
           </a:p>
           <a:p>
             <a:pPr eaLnBrk="0" hangingPunct="0">
@@ -1112,16 +1106,7 @@
                 </a:solidFill>
                 <a:cs typeface="Arial" charset="0"/>
               </a:rPr>
-              <a:t>Markus </a:t>
-            </a:r>
-            <a:r>
-              <a:rPr lang="de-DE" sz="900" b="1" dirty="0" smtClean="0">
-                <a:solidFill>
-                  <a:srgbClr val="5F5F5F"/>
-                </a:solidFill>
-                <a:cs typeface="Arial" charset="0"/>
-              </a:rPr>
-              <a:t>Rudolph,</a:t>
+              <a:t>Markus Rudolph,</a:t>
             </a:r>
             <a:r>
               <a:rPr lang="de-DE" sz="900" b="1" baseline="0" dirty="0" smtClean="0">
@@ -4335,7 +4320,31 @@
           <a:bodyPr/>
           <a:lstStyle/>
           <a:p>
-            <a:endParaRPr lang="de-DE"/>
+            <a:r>
+              <a:rPr lang="de-DE" dirty="0" smtClean="0"/>
+              <a:t>Sonar </a:t>
+            </a:r>
+            <a:r>
+              <a:rPr lang="de-DE" dirty="0" err="1" smtClean="0"/>
+              <a:t>plugin</a:t>
+            </a:r>
+            <a:r>
+              <a:rPr lang="de-DE" dirty="0" smtClean="0"/>
+              <a:t> </a:t>
+            </a:r>
+            <a:r>
+              <a:rPr lang="de-DE" dirty="0" err="1" smtClean="0"/>
+              <a:t>for</a:t>
+            </a:r>
+            <a:r>
+              <a:rPr lang="de-DE" dirty="0" smtClean="0"/>
+              <a:t> </a:t>
+            </a:r>
+            <a:r>
+              <a:rPr lang="de-DE" dirty="0" err="1" smtClean="0"/>
+              <a:t>ModelBus</a:t>
+            </a:r>
+            <a:endParaRPr lang="de-DE" dirty="0"/>
           </a:p>
         </p:txBody>
       </p:sp>

--- a/requirements/Powerpoint Vorlage.pptx
+++ b/requirements/Powerpoint Vorlage.pptx
@@ -5,14 +5,15 @@
     <p:sldMasterId id="2147483678" r:id="rId1"/>
   </p:sldMasterIdLst>
   <p:notesMasterIdLst>
-    <p:notesMasterId r:id="rId4"/>
+    <p:notesMasterId r:id="rId5"/>
   </p:notesMasterIdLst>
   <p:handoutMasterIdLst>
-    <p:handoutMasterId r:id="rId5"/>
+    <p:handoutMasterId r:id="rId6"/>
   </p:handoutMasterIdLst>
   <p:sldIdLst>
     <p:sldId id="257" r:id="rId2"/>
     <p:sldId id="258" r:id="rId3"/>
+    <p:sldId id="259" r:id="rId4"/>
   </p:sldIdLst>
   <p:sldSz cx="9144000" cy="6858000" type="screen4x3"/>
   <p:notesSz cx="7099300" cy="10234613"/>
@@ -4320,31 +4321,7 @@
           <a:bodyPr/>
           <a:lstStyle/>
           <a:p>
-            <a:r>
-              <a:rPr lang="de-DE" dirty="0" smtClean="0"/>
-              <a:t>Sonar </a:t>
-            </a:r>
-            <a:r>
-              <a:rPr lang="de-DE" dirty="0" err="1" smtClean="0"/>
-              <a:t>plugin</a:t>
-            </a:r>
-            <a:r>
-              <a:rPr lang="de-DE" dirty="0" smtClean="0"/>
-              <a:t> </a:t>
-            </a:r>
-            <a:r>
-              <a:rPr lang="de-DE" dirty="0" err="1" smtClean="0"/>
-              <a:t>for</a:t>
-            </a:r>
-            <a:r>
-              <a:rPr lang="de-DE" dirty="0" smtClean="0"/>
-              <a:t> </a:t>
-            </a:r>
-            <a:r>
-              <a:rPr lang="de-DE" dirty="0" err="1" smtClean="0"/>
-              <a:t>ModelBus</a:t>
-            </a:r>
-            <a:endParaRPr lang="de-DE" dirty="0"/>
+            <a:endParaRPr lang="de-DE"/>
           </a:p>
         </p:txBody>
       </p:sp>
@@ -4436,144 +4413,481 @@
           <a:lstStyle/>
           <a:p>
             <a:pPr>
+              <a:lnSpc>
+                <a:spcPct val="150000"/>
+              </a:lnSpc>
               <a:buFont typeface="Arial" pitchFamily="34" charset="0"/>
               <a:buChar char="•"/>
             </a:pPr>
             <a:r>
-              <a:rPr lang="de-DE" dirty="0" err="1" smtClean="0"/>
+              <a:rPr lang="de-DE" sz="3200" dirty="0" smtClean="0"/>
+              <a:t>Create a </a:t>
+            </a:r>
+            <a:r>
+              <a:rPr lang="de-DE" sz="3200" dirty="0" err="1" smtClean="0"/>
+              <a:t>plugin</a:t>
+            </a:r>
+            <a:r>
+              <a:rPr lang="de-DE" sz="3200" dirty="0" smtClean="0"/>
+              <a:t> </a:t>
+            </a:r>
+            <a:r>
+              <a:rPr lang="de-DE" sz="3200" dirty="0" err="1" smtClean="0"/>
+              <a:t>for</a:t>
+            </a:r>
+            <a:r>
+              <a:rPr lang="de-DE" sz="3200" dirty="0" smtClean="0"/>
+              <a:t> </a:t>
+            </a:r>
+            <a:r>
+              <a:rPr lang="de-DE" sz="3200" dirty="0" err="1" smtClean="0"/>
+              <a:t>sonar</a:t>
+            </a:r>
+            <a:endParaRPr lang="de-DE" sz="3200" dirty="0" smtClean="0"/>
+          </a:p>
+          <a:p>
+            <a:pPr>
+              <a:lnSpc>
+                <a:spcPct val="150000"/>
+              </a:lnSpc>
+              <a:buFont typeface="Arial" pitchFamily="34" charset="0"/>
+              <a:buChar char="•"/>
+            </a:pPr>
+            <a:r>
+              <a:rPr lang="de-DE" sz="3200" dirty="0" err="1" smtClean="0"/>
               <a:t>Extend</a:t>
             </a:r>
             <a:r>
-              <a:rPr lang="de-DE" dirty="0" smtClean="0"/>
-              <a:t> Sonar </a:t>
-            </a:r>
-            <a:r>
-              <a:rPr lang="de-DE" dirty="0" err="1" smtClean="0"/>
+              <a:rPr lang="de-DE" sz="3200" dirty="0" smtClean="0"/>
+              <a:t> </a:t>
+            </a:r>
+            <a:r>
+              <a:rPr lang="de-DE" sz="3200" dirty="0" smtClean="0"/>
+              <a:t>Sonar </a:t>
+            </a:r>
+            <a:r>
+              <a:rPr lang="de-DE" sz="3200" dirty="0" err="1" smtClean="0"/>
               <a:t>to</a:t>
             </a:r>
             <a:r>
-              <a:rPr lang="de-DE" dirty="0" smtClean="0"/>
+              <a:rPr lang="de-DE" sz="3200" dirty="0" smtClean="0"/>
               <a:t> </a:t>
             </a:r>
             <a:r>
-              <a:rPr lang="de-DE" dirty="0" err="1" smtClean="0"/>
+              <a:rPr lang="de-DE" sz="3200" dirty="0" err="1" smtClean="0"/>
               <a:t>comprehend</a:t>
             </a:r>
             <a:r>
-              <a:rPr lang="de-DE" dirty="0" smtClean="0"/>
+              <a:rPr lang="de-DE" sz="3200" dirty="0" smtClean="0"/>
               <a:t> </a:t>
             </a:r>
             <a:r>
-              <a:rPr lang="de-DE" dirty="0" err="1" smtClean="0"/>
+              <a:rPr lang="de-DE" sz="3200" dirty="0" err="1" smtClean="0"/>
               <a:t>and</a:t>
             </a:r>
             <a:r>
-              <a:rPr lang="de-DE" dirty="0" smtClean="0"/>
+              <a:rPr lang="de-DE" sz="3200" dirty="0" smtClean="0"/>
               <a:t> </a:t>
             </a:r>
             <a:r>
-              <a:rPr lang="de-DE" dirty="0" err="1" smtClean="0"/>
+              <a:rPr lang="de-DE" sz="3200" dirty="0" err="1" smtClean="0"/>
               <a:t>cooperate</a:t>
             </a:r>
             <a:r>
-              <a:rPr lang="de-DE" dirty="0" smtClean="0"/>
+              <a:rPr lang="de-DE" sz="3200" dirty="0" smtClean="0"/>
               <a:t> </a:t>
             </a:r>
             <a:r>
-              <a:rPr lang="de-DE" dirty="0" err="1" smtClean="0"/>
+              <a:rPr lang="de-DE" sz="3200" dirty="0" err="1" smtClean="0"/>
               <a:t>with</a:t>
             </a:r>
             <a:r>
-              <a:rPr lang="de-DE" dirty="0" smtClean="0"/>
+              <a:rPr lang="de-DE" sz="3200" dirty="0" smtClean="0"/>
               <a:t> </a:t>
             </a:r>
             <a:r>
-              <a:rPr lang="de-DE" dirty="0" err="1" smtClean="0"/>
+              <a:rPr lang="de-DE" sz="3200" dirty="0" err="1" smtClean="0"/>
               <a:t>ModelBus</a:t>
             </a:r>
             <a:r>
-              <a:rPr lang="de-DE" dirty="0" smtClean="0"/>
+              <a:rPr lang="de-DE" sz="3200" dirty="0" smtClean="0"/>
               <a:t> </a:t>
             </a:r>
             <a:r>
-              <a:rPr lang="de-DE" dirty="0" err="1" smtClean="0"/>
+              <a:rPr lang="de-DE" sz="3200" dirty="0" err="1" smtClean="0"/>
               <a:t>repository</a:t>
             </a:r>
-            <a:endParaRPr lang="de-DE" dirty="0" smtClean="0"/>
+            <a:endParaRPr lang="de-DE" sz="3200" dirty="0" smtClean="0"/>
+          </a:p>
+          <a:p>
+            <a:pPr>
+              <a:lnSpc>
+                <a:spcPct val="150000"/>
+              </a:lnSpc>
+              <a:buFont typeface="Arial" pitchFamily="34" charset="0"/>
+              <a:buChar char="•"/>
+            </a:pPr>
+            <a:r>
+              <a:rPr lang="de-DE" sz="3200" dirty="0" smtClean="0"/>
+              <a:t>Transfer </a:t>
+            </a:r>
+            <a:r>
+              <a:rPr lang="de-DE" sz="3200" dirty="0" err="1" smtClean="0"/>
+              <a:t>as</a:t>
+            </a:r>
+            <a:r>
+              <a:rPr lang="de-DE" sz="3200" dirty="0" smtClean="0"/>
+              <a:t> </a:t>
+            </a:r>
+            <a:r>
+              <a:rPr lang="de-DE" sz="3200" dirty="0" err="1" smtClean="0"/>
+              <a:t>many</a:t>
+            </a:r>
+            <a:r>
+              <a:rPr lang="de-DE" sz="3200" dirty="0" smtClean="0"/>
+              <a:t> </a:t>
+            </a:r>
+            <a:r>
+              <a:rPr lang="de-DE" sz="3200" dirty="0" err="1" smtClean="0"/>
+              <a:t>as</a:t>
+            </a:r>
+            <a:r>
+              <a:rPr lang="de-DE" sz="3200" dirty="0" smtClean="0"/>
+              <a:t> </a:t>
+            </a:r>
+            <a:r>
+              <a:rPr lang="de-DE" sz="3200" dirty="0" err="1" smtClean="0"/>
+              <a:t>possible</a:t>
+            </a:r>
+            <a:r>
+              <a:rPr lang="de-DE" sz="3200" dirty="0" smtClean="0"/>
+              <a:t> </a:t>
+            </a:r>
+            <a:r>
+              <a:rPr lang="de-DE" sz="3200" dirty="0" err="1" smtClean="0"/>
+              <a:t>metrics</a:t>
+            </a:r>
+            <a:r>
+              <a:rPr lang="de-DE" sz="3200" dirty="0" smtClean="0"/>
+              <a:t> </a:t>
+            </a:r>
+            <a:r>
+              <a:rPr lang="de-DE" sz="3200" dirty="0" err="1" smtClean="0"/>
+              <a:t>from</a:t>
+            </a:r>
+            <a:r>
+              <a:rPr lang="de-DE" sz="3200" dirty="0" smtClean="0"/>
+              <a:t> </a:t>
+            </a:r>
+            <a:r>
+              <a:rPr lang="de-DE" sz="3200" dirty="0" err="1" smtClean="0"/>
+              <a:t>Metrino</a:t>
+            </a:r>
+            <a:r>
+              <a:rPr lang="de-DE" sz="3200" dirty="0" smtClean="0"/>
+              <a:t> </a:t>
+            </a:r>
+            <a:r>
+              <a:rPr lang="de-DE" sz="3200" dirty="0" err="1" smtClean="0"/>
+              <a:t>to</a:t>
+            </a:r>
+            <a:r>
+              <a:rPr lang="de-DE" sz="3200" dirty="0" smtClean="0"/>
+              <a:t> Sonar</a:t>
+            </a:r>
+          </a:p>
+          <a:p>
+            <a:pPr>
+              <a:lnSpc>
+                <a:spcPct val="150000"/>
+              </a:lnSpc>
+              <a:buFont typeface="Arial" pitchFamily="34" charset="0"/>
+              <a:buChar char="•"/>
+            </a:pPr>
+            <a:r>
+              <a:rPr lang="de-DE" sz="3200" dirty="0" smtClean="0"/>
+              <a:t>Select </a:t>
+            </a:r>
+            <a:r>
+              <a:rPr lang="de-DE" sz="3200" dirty="0" err="1" smtClean="0"/>
+              <a:t>the</a:t>
+            </a:r>
+            <a:r>
+              <a:rPr lang="de-DE" sz="3200" dirty="0" smtClean="0"/>
+              <a:t> model</a:t>
+            </a:r>
           </a:p>
           <a:p>
             <a:pPr>
               <a:buFont typeface="Arial" pitchFamily="34" charset="0"/>
               <a:buChar char="•"/>
             </a:pPr>
-            <a:r>
-              <a:rPr lang="de-DE" dirty="0" smtClean="0"/>
-              <a:t>Transfer </a:t>
-            </a:r>
+            <a:endParaRPr lang="de-DE" dirty="0"/>
+          </a:p>
+        </p:txBody>
+      </p:sp>
+      <p:sp>
+        <p:nvSpPr>
+          <p:cNvPr id="4" name="Fußzeilenplatzhalter 3"/>
+          <p:cNvSpPr>
+            <a:spLocks noGrp="1"/>
+          </p:cNvSpPr>
+          <p:nvPr>
+            <p:ph type="ftr" sz="quarter" idx="3"/>
+          </p:nvPr>
+        </p:nvSpPr>
+        <p:spPr/>
+        <p:txBody>
+          <a:bodyPr/>
+          <a:lstStyle/>
+          <a:p>
+            <a:r>
+              <a:rPr lang="de-DE" smtClean="0"/>
+              <a:t>Sonar Plugin for ModelBus, 05.11.2012</a:t>
+            </a:r>
+            <a:endParaRPr lang="de-DE" dirty="0"/>
+          </a:p>
+        </p:txBody>
+      </p:sp>
+    </p:spTree>
+  </p:cSld>
+  <p:clrMapOvr>
+    <a:masterClrMapping/>
+  </p:clrMapOvr>
+  <p:transition spd="slow"/>
+</p:sld>
+</file>
+
+<file path=ppt/slides/slide3.xml><?xml version="1.0" encoding="utf-8"?>
+<p:sld xmlns:a="http://schemas.openxmlformats.org/drawingml/2006/main" xmlns:r="http://schemas.openxmlformats.org/officeDocument/2006/relationships" xmlns:p="http://schemas.openxmlformats.org/presentationml/2006/main">
+  <p:cSld>
+    <p:spTree>
+      <p:nvGrpSpPr>
+        <p:cNvPr id="1" name=""/>
+        <p:cNvGrpSpPr/>
+        <p:nvPr/>
+      </p:nvGrpSpPr>
+      <p:grpSpPr>
+        <a:xfrm>
+          <a:off x="0" y="0"/>
+          <a:ext cx="0" cy="0"/>
+          <a:chOff x="0" y="0"/>
+          <a:chExt cx="0" cy="0"/>
+        </a:xfrm>
+      </p:grpSpPr>
+      <p:sp>
+        <p:nvSpPr>
+          <p:cNvPr id="2" name="Titel 1"/>
+          <p:cNvSpPr>
+            <a:spLocks noGrp="1"/>
+          </p:cNvSpPr>
+          <p:nvPr>
+            <p:ph type="title"/>
+          </p:nvPr>
+        </p:nvSpPr>
+        <p:spPr/>
+        <p:txBody>
+          <a:bodyPr/>
+          <a:lstStyle/>
+          <a:p>
             <a:r>
               <a:rPr lang="de-DE" dirty="0" err="1" smtClean="0"/>
+              <a:t>Requirements</a:t>
+            </a:r>
+            <a:endParaRPr lang="de-DE" dirty="0"/>
+          </a:p>
+        </p:txBody>
+      </p:sp>
+      <p:sp>
+        <p:nvSpPr>
+          <p:cNvPr id="3" name="Inhaltsplatzhalter 2"/>
+          <p:cNvSpPr>
+            <a:spLocks noGrp="1"/>
+          </p:cNvSpPr>
+          <p:nvPr>
+            <p:ph idx="1"/>
+          </p:nvPr>
+        </p:nvSpPr>
+        <p:spPr/>
+        <p:txBody>
+          <a:bodyPr/>
+          <a:lstStyle/>
+          <a:p>
+            <a:pPr>
+              <a:lnSpc>
+                <a:spcPct val="150000"/>
+              </a:lnSpc>
+              <a:buFont typeface="Arial" pitchFamily="34" charset="0"/>
+              <a:buChar char="•"/>
+            </a:pPr>
+            <a:r>
+              <a:rPr lang="de-DE" sz="3200" dirty="0" smtClean="0"/>
+              <a:t>Traverse </a:t>
+            </a:r>
+            <a:r>
+              <a:rPr lang="de-DE" sz="3200" dirty="0" err="1" smtClean="0"/>
+              <a:t>the</a:t>
+            </a:r>
+            <a:r>
+              <a:rPr lang="de-DE" sz="3200" dirty="0" smtClean="0"/>
+              <a:t> </a:t>
+            </a:r>
+            <a:r>
+              <a:rPr lang="de-DE" sz="3200" dirty="0" err="1" smtClean="0"/>
+              <a:t>directorytree</a:t>
+            </a:r>
+            <a:endParaRPr lang="de-DE" sz="3200" dirty="0" smtClean="0"/>
+          </a:p>
+          <a:p>
+            <a:pPr>
+              <a:lnSpc>
+                <a:spcPct val="150000"/>
+              </a:lnSpc>
+              <a:buFont typeface="Arial" pitchFamily="34" charset="0"/>
+              <a:buChar char="•"/>
+            </a:pPr>
+            <a:r>
+              <a:rPr lang="de-DE" sz="3200" dirty="0" smtClean="0"/>
+              <a:t>Analyse </a:t>
+            </a:r>
+            <a:r>
+              <a:rPr lang="de-DE" sz="3200" dirty="0" err="1" smtClean="0"/>
+              <a:t>the</a:t>
+            </a:r>
+            <a:r>
+              <a:rPr lang="de-DE" sz="3200" dirty="0" smtClean="0"/>
+              <a:t> </a:t>
+            </a:r>
+            <a:r>
+              <a:rPr lang="de-DE" sz="3200" dirty="0" err="1" smtClean="0"/>
+              <a:t>sourcecode</a:t>
+            </a:r>
+            <a:endParaRPr lang="de-DE" sz="3200" dirty="0" smtClean="0"/>
+          </a:p>
+          <a:p>
+            <a:pPr>
+              <a:lnSpc>
+                <a:spcPct val="150000"/>
+              </a:lnSpc>
+              <a:buFont typeface="Arial" pitchFamily="34" charset="0"/>
+              <a:buChar char="•"/>
+            </a:pPr>
+            <a:r>
+              <a:rPr lang="de-DE" sz="3200" dirty="0" err="1" smtClean="0"/>
+              <a:t>Provide</a:t>
+            </a:r>
+            <a:r>
+              <a:rPr lang="de-DE" sz="3200" dirty="0" smtClean="0"/>
+              <a:t> </a:t>
+            </a:r>
+            <a:r>
+              <a:rPr lang="de-DE" sz="3200" dirty="0" err="1" smtClean="0"/>
+              <a:t>functions</a:t>
+            </a:r>
+            <a:r>
+              <a:rPr lang="de-DE" sz="3200" dirty="0" smtClean="0"/>
+              <a:t> </a:t>
+            </a:r>
+            <a:r>
+              <a:rPr lang="de-DE" sz="3200" dirty="0" err="1" smtClean="0"/>
+              <a:t>of</a:t>
+            </a:r>
+            <a:r>
+              <a:rPr lang="de-DE" sz="3200" dirty="0" smtClean="0"/>
+              <a:t> </a:t>
+            </a:r>
+            <a:r>
+              <a:rPr lang="de-DE" sz="3200" dirty="0" err="1" smtClean="0"/>
+              <a:t>the</a:t>
+            </a:r>
+            <a:r>
+              <a:rPr lang="de-DE" sz="3200" dirty="0" smtClean="0"/>
+              <a:t> model </a:t>
+            </a:r>
+            <a:r>
+              <a:rPr lang="de-DE" sz="3200" dirty="0" err="1" smtClean="0"/>
+              <a:t>repository</a:t>
+            </a:r>
+            <a:r>
+              <a:rPr lang="de-DE" sz="3200" dirty="0" smtClean="0"/>
+              <a:t> </a:t>
+            </a:r>
+          </a:p>
+          <a:p>
+            <a:pPr>
+              <a:lnSpc>
+                <a:spcPct val="150000"/>
+              </a:lnSpc>
+              <a:buFont typeface="Arial" pitchFamily="34" charset="0"/>
+              <a:buChar char="•"/>
+            </a:pPr>
+            <a:r>
+              <a:rPr lang="de-DE" sz="3200" dirty="0" smtClean="0"/>
+              <a:t>Binding </a:t>
+            </a:r>
+            <a:r>
+              <a:rPr lang="de-DE" sz="3200" dirty="0" err="1" smtClean="0"/>
+              <a:t>to</a:t>
+            </a:r>
+            <a:r>
+              <a:rPr lang="de-DE" sz="3200" dirty="0" smtClean="0"/>
+              <a:t> </a:t>
+            </a:r>
+            <a:r>
+              <a:rPr lang="de-DE" sz="3200" dirty="0" err="1" smtClean="0"/>
+              <a:t>treemap</a:t>
+            </a:r>
+            <a:endParaRPr lang="de-DE" sz="3200" dirty="0" smtClean="0"/>
+          </a:p>
+          <a:p>
+            <a:pPr>
+              <a:lnSpc>
+                <a:spcPct val="150000"/>
+              </a:lnSpc>
+              <a:buFont typeface="Arial" pitchFamily="34" charset="0"/>
+              <a:buChar char="•"/>
+            </a:pPr>
+            <a:r>
+              <a:rPr lang="de-DE" sz="3200" dirty="0" smtClean="0"/>
+              <a:t>The </a:t>
+            </a:r>
+            <a:r>
+              <a:rPr lang="de-DE" sz="3200" dirty="0" err="1" smtClean="0"/>
+              <a:t>plugin</a:t>
+            </a:r>
+            <a:r>
+              <a:rPr lang="de-DE" sz="3200" dirty="0" smtClean="0"/>
+              <a:t> must </a:t>
+            </a:r>
+            <a:r>
+              <a:rPr lang="de-DE" sz="3200" dirty="0" err="1" smtClean="0"/>
+              <a:t>be</a:t>
+            </a:r>
+            <a:r>
+              <a:rPr lang="de-DE" sz="3200" dirty="0" smtClean="0"/>
+              <a:t> </a:t>
+            </a:r>
+            <a:r>
+              <a:rPr lang="de-DE" sz="3200" dirty="0" err="1" smtClean="0"/>
               <a:t>as</a:t>
             </a:r>
             <a:r>
-              <a:rPr lang="de-DE" dirty="0" smtClean="0"/>
+              <a:rPr lang="de-DE" sz="3200" dirty="0" smtClean="0"/>
+              <a:t> fast </a:t>
+            </a:r>
+            <a:r>
+              <a:rPr lang="de-DE" sz="3200" dirty="0" err="1" smtClean="0"/>
+              <a:t>as</a:t>
+            </a:r>
+            <a:r>
+              <a:rPr lang="de-DE" sz="3200" dirty="0" smtClean="0"/>
               <a:t> </a:t>
             </a:r>
             <a:r>
-              <a:rPr lang="de-DE" dirty="0" err="1" smtClean="0"/>
-              <a:t>many</a:t>
-            </a:r>
-            <a:r>
-              <a:rPr lang="de-DE" dirty="0" smtClean="0"/>
-              <a:t> </a:t>
-            </a:r>
-            <a:r>
-              <a:rPr lang="de-DE" dirty="0" err="1" smtClean="0"/>
-              <a:t>as</a:t>
-            </a:r>
-            <a:r>
-              <a:rPr lang="de-DE" dirty="0" smtClean="0"/>
-              <a:t> </a:t>
-            </a:r>
-            <a:r>
-              <a:rPr lang="de-DE" dirty="0" err="1" smtClean="0"/>
+              <a:rPr lang="de-DE" sz="3200" dirty="0" err="1" smtClean="0"/>
               <a:t>possible</a:t>
             </a:r>
-            <a:r>
-              <a:rPr lang="de-DE" dirty="0" smtClean="0"/>
-              <a:t> </a:t>
-            </a:r>
-            <a:r>
-              <a:rPr lang="de-DE" dirty="0" err="1" smtClean="0"/>
-              <a:t>metrics</a:t>
-            </a:r>
-            <a:r>
-              <a:rPr lang="de-DE" dirty="0" smtClean="0"/>
-              <a:t> </a:t>
-            </a:r>
-            <a:r>
-              <a:rPr lang="de-DE" dirty="0" err="1" smtClean="0"/>
-              <a:t>from</a:t>
-            </a:r>
-            <a:r>
-              <a:rPr lang="de-DE" dirty="0" smtClean="0"/>
-              <a:t> </a:t>
-            </a:r>
-            <a:r>
-              <a:rPr lang="de-DE" dirty="0" err="1" smtClean="0"/>
-              <a:t>Metrino</a:t>
-            </a:r>
-            <a:r>
-              <a:rPr lang="de-DE" dirty="0" smtClean="0"/>
-              <a:t> </a:t>
-            </a:r>
-            <a:r>
-              <a:rPr lang="de-DE" dirty="0" err="1" smtClean="0"/>
-              <a:t>to</a:t>
-            </a:r>
-            <a:r>
-              <a:rPr lang="de-DE" dirty="0" smtClean="0"/>
-              <a:t> Sonar</a:t>
-            </a:r>
+            <a:endParaRPr lang="de-DE" sz="3200" dirty="0" smtClean="0"/>
           </a:p>
           <a:p>
             <a:pPr>
